--- a/Plots/Network analysis summary.pptx
+++ b/Plots/Network analysis summary.pptx
@@ -5,12 +5,13 @@
     <p:sldMasterId id="2147483672" r:id="rId1"/>
   </p:sldMasterIdLst>
   <p:notesMasterIdLst>
-    <p:notesMasterId r:id="rId5"/>
+    <p:notesMasterId r:id="rId6"/>
   </p:notesMasterIdLst>
   <p:sldIdLst>
     <p:sldId id="256" r:id="rId2"/>
     <p:sldId id="257" r:id="rId3"/>
     <p:sldId id="258" r:id="rId4"/>
+    <p:sldId id="259" r:id="rId5"/>
   </p:sldIdLst>
   <p:sldSz cx="45720000" cy="29260800"/>
   <p:notesSz cx="6858000" cy="9144000"/>
@@ -117,6 +118,32 @@
 </p:presentation>
 </file>
 
+<file path=ppt/commentAuthors.xml><?xml version="1.0" encoding="utf-8"?>
+<p:cmAuthorLst xmlns:a="http://schemas.openxmlformats.org/drawingml/2006/main" xmlns:r="http://schemas.openxmlformats.org/officeDocument/2006/relationships" xmlns:p="http://schemas.openxmlformats.org/presentationml/2006/main">
+  <p:cmAuthor id="1" name="Lei Yuan" initials="LY" lastIdx="1" clrIdx="0">
+    <p:extLst>
+      <p:ext uri="{19B8F6BF-5375-455C-9EA6-DF929625EA0E}">
+        <p15:presenceInfo xmlns:p15="http://schemas.microsoft.com/office/powerpoint/2012/main" userId="S::leyu6965@colorado.edu::49b2285c-72b2-4943-a333-9cec8856e507" providerId="AD"/>
+      </p:ext>
+    </p:extLst>
+  </p:cmAuthor>
+</p:cmAuthorLst>
+</file>
+
+<file path=ppt/comments/comment1.xml><?xml version="1.0" encoding="utf-8"?>
+<p:cmLst xmlns:a="http://schemas.openxmlformats.org/drawingml/2006/main" xmlns:r="http://schemas.openxmlformats.org/officeDocument/2006/relationships" xmlns:p="http://schemas.openxmlformats.org/presentationml/2006/main">
+  <p:cm authorId="1" dt="2021-07-30T12:07:15.297" idx="1">
+    <p:pos x="18903" y="10054"/>
+    <p:text>Check this. Not just inserting zeros</p:text>
+    <p:extLst>
+      <p:ext uri="{C676402C-5697-4E1C-873F-D02D1690AC5C}">
+        <p15:threadingInfo xmlns:p15="http://schemas.microsoft.com/office/powerpoint/2012/main" timeZoneBias="360"/>
+      </p:ext>
+    </p:extLst>
+  </p:cm>
+</p:cmLst>
+</file>
+
 <file path=ppt/notesMasters/notesMaster1.xml><?xml version="1.0" encoding="utf-8"?>
 <p:notesMaster xmlns:a="http://schemas.openxmlformats.org/drawingml/2006/main" xmlns:r="http://schemas.openxmlformats.org/officeDocument/2006/relationships" xmlns:p="http://schemas.openxmlformats.org/presentationml/2006/main">
   <p:cSld>
@@ -199,7 +226,7 @@
           <a:p>
             <a:fld id="{0E83F2AA-93BB-C94E-9A80-F08CDF2EBA47}" type="datetimeFigureOut">
               <a:rPr lang="en-US" smtClean="0"/>
-              <a:t>7/23/21</a:t>
+              <a:t>7/29/21</a:t>
             </a:fld>
             <a:endParaRPr lang="en-US"/>
           </a:p>
@@ -681,7 +708,7 @@
           <a:p>
             <a:fld id="{554E7DDD-058B-1841-B94D-DB98A383CD5A}" type="datetimeFigureOut">
               <a:rPr lang="en-US" smtClean="0"/>
-              <a:t>7/23/21</a:t>
+              <a:t>7/29/21</a:t>
             </a:fld>
             <a:endParaRPr lang="en-US"/>
           </a:p>
@@ -851,7 +878,7 @@
           <a:p>
             <a:fld id="{554E7DDD-058B-1841-B94D-DB98A383CD5A}" type="datetimeFigureOut">
               <a:rPr lang="en-US" smtClean="0"/>
-              <a:t>7/23/21</a:t>
+              <a:t>7/29/21</a:t>
             </a:fld>
             <a:endParaRPr lang="en-US"/>
           </a:p>
@@ -1031,7 +1058,7 @@
           <a:p>
             <a:fld id="{554E7DDD-058B-1841-B94D-DB98A383CD5A}" type="datetimeFigureOut">
               <a:rPr lang="en-US" smtClean="0"/>
-              <a:t>7/23/21</a:t>
+              <a:t>7/29/21</a:t>
             </a:fld>
             <a:endParaRPr lang="en-US"/>
           </a:p>
@@ -1201,7 +1228,7 @@
           <a:p>
             <a:fld id="{554E7DDD-058B-1841-B94D-DB98A383CD5A}" type="datetimeFigureOut">
               <a:rPr lang="en-US" smtClean="0"/>
-              <a:t>7/23/21</a:t>
+              <a:t>7/29/21</a:t>
             </a:fld>
             <a:endParaRPr lang="en-US"/>
           </a:p>
@@ -1447,7 +1474,7 @@
           <a:p>
             <a:fld id="{554E7DDD-058B-1841-B94D-DB98A383CD5A}" type="datetimeFigureOut">
               <a:rPr lang="en-US" smtClean="0"/>
-              <a:t>7/23/21</a:t>
+              <a:t>7/29/21</a:t>
             </a:fld>
             <a:endParaRPr lang="en-US"/>
           </a:p>
@@ -1679,7 +1706,7 @@
           <a:p>
             <a:fld id="{554E7DDD-058B-1841-B94D-DB98A383CD5A}" type="datetimeFigureOut">
               <a:rPr lang="en-US" smtClean="0"/>
-              <a:t>7/23/21</a:t>
+              <a:t>7/29/21</a:t>
             </a:fld>
             <a:endParaRPr lang="en-US"/>
           </a:p>
@@ -2046,7 +2073,7 @@
           <a:p>
             <a:fld id="{554E7DDD-058B-1841-B94D-DB98A383CD5A}" type="datetimeFigureOut">
               <a:rPr lang="en-US" smtClean="0"/>
-              <a:t>7/23/21</a:t>
+              <a:t>7/29/21</a:t>
             </a:fld>
             <a:endParaRPr lang="en-US"/>
           </a:p>
@@ -2164,7 +2191,7 @@
           <a:p>
             <a:fld id="{554E7DDD-058B-1841-B94D-DB98A383CD5A}" type="datetimeFigureOut">
               <a:rPr lang="en-US" smtClean="0"/>
-              <a:t>7/23/21</a:t>
+              <a:t>7/29/21</a:t>
             </a:fld>
             <a:endParaRPr lang="en-US"/>
           </a:p>
@@ -2259,7 +2286,7 @@
           <a:p>
             <a:fld id="{554E7DDD-058B-1841-B94D-DB98A383CD5A}" type="datetimeFigureOut">
               <a:rPr lang="en-US" smtClean="0"/>
-              <a:t>7/23/21</a:t>
+              <a:t>7/29/21</a:t>
             </a:fld>
             <a:endParaRPr lang="en-US"/>
           </a:p>
@@ -2536,7 +2563,7 @@
           <a:p>
             <a:fld id="{554E7DDD-058B-1841-B94D-DB98A383CD5A}" type="datetimeFigureOut">
               <a:rPr lang="en-US" smtClean="0"/>
-              <a:t>7/23/21</a:t>
+              <a:t>7/29/21</a:t>
             </a:fld>
             <a:endParaRPr lang="en-US"/>
           </a:p>
@@ -2793,7 +2820,7 @@
           <a:p>
             <a:fld id="{554E7DDD-058B-1841-B94D-DB98A383CD5A}" type="datetimeFigureOut">
               <a:rPr lang="en-US" smtClean="0"/>
-              <a:t>7/23/21</a:t>
+              <a:t>7/29/21</a:t>
             </a:fld>
             <a:endParaRPr lang="en-US"/>
           </a:p>
@@ -3006,7 +3033,7 @@
           <a:p>
             <a:fld id="{554E7DDD-058B-1841-B94D-DB98A383CD5A}" type="datetimeFigureOut">
               <a:rPr lang="en-US" smtClean="0"/>
-              <a:t>7/23/21</a:t>
+              <a:t>7/29/21</a:t>
             </a:fld>
             <a:endParaRPr lang="en-US"/>
           </a:p>
@@ -4189,6 +4216,1420 @@
     <p:extLst>
       <p:ext uri="{BB962C8B-B14F-4D97-AF65-F5344CB8AC3E}">
         <p14:creationId xmlns:p14="http://schemas.microsoft.com/office/powerpoint/2010/main" val="1871638451"/>
+      </p:ext>
+    </p:extLst>
+  </p:cSld>
+  <p:clrMapOvr>
+    <a:masterClrMapping/>
+  </p:clrMapOvr>
+</p:sld>
+</file>
+
+<file path=ppt/slides/slide4.xml><?xml version="1.0" encoding="utf-8"?>
+<p:sld xmlns:a="http://schemas.openxmlformats.org/drawingml/2006/main" xmlns:r="http://schemas.openxmlformats.org/officeDocument/2006/relationships" xmlns:p="http://schemas.openxmlformats.org/presentationml/2006/main">
+  <p:cSld>
+    <p:spTree>
+      <p:nvGrpSpPr>
+        <p:cNvPr id="1" name=""/>
+        <p:cNvGrpSpPr/>
+        <p:nvPr/>
+      </p:nvGrpSpPr>
+      <p:grpSpPr>
+        <a:xfrm>
+          <a:off x="0" y="0"/>
+          <a:ext cx="0" cy="0"/>
+          <a:chOff x="0" y="0"/>
+          <a:chExt cx="0" cy="0"/>
+        </a:xfrm>
+      </p:grpSpPr>
+      <p:sp>
+        <p:nvSpPr>
+          <p:cNvPr id="3" name="Content Placeholder 2">
+            <a:extLst>
+              <a:ext uri="{FF2B5EF4-FFF2-40B4-BE49-F238E27FC236}">
+                <a16:creationId xmlns:a16="http://schemas.microsoft.com/office/drawing/2014/main" id="{CD94EC0F-5B5E-1E4E-874D-13205DA4382E}"/>
+              </a:ext>
+            </a:extLst>
+          </p:cNvPr>
+          <p:cNvSpPr>
+            <a:spLocks noGrp="1"/>
+          </p:cNvSpPr>
+          <p:nvPr>
+            <p:ph idx="1"/>
+          </p:nvPr>
+        </p:nvSpPr>
+        <p:spPr>
+          <a:xfrm>
+            <a:off x="3101686" y="3019981"/>
+            <a:ext cx="17597005" cy="18565709"/>
+          </a:xfrm>
+        </p:spPr>
+        <p:txBody>
+          <a:bodyPr>
+            <a:normAutofit fontScale="70000" lnSpcReduction="20000"/>
+          </a:bodyPr>
+          <a:lstStyle/>
+          <a:p>
+            <a:r>
+              <a:rPr lang="en-US" dirty="0"/>
+              <a:t>Item: 364 v 436 </a:t>
+            </a:r>
+          </a:p>
+          <a:p>
+            <a:r>
+              <a:rPr lang="en-US" dirty="0"/>
+              <a:t>Analysis 1: </a:t>
+            </a:r>
+          </a:p>
+          <a:p>
+            <a:pPr lvl="1"/>
+            <a:r>
+              <a:rPr lang="en-US" dirty="0"/>
+              <a:t>M-SP-with-T (multi-digit number with same number of places and transpositions</a:t>
+            </a:r>
+          </a:p>
+          <a:p>
+            <a:pPr lvl="2"/>
+            <a:r>
+              <a:rPr lang="en-US" dirty="0"/>
+              <a:t>Singles are easier. Show zeros and transpositions are hard, </a:t>
+            </a:r>
+          </a:p>
+          <a:p>
+            <a:pPr lvl="2"/>
+            <a:r>
+              <a:rPr lang="en-US" dirty="0"/>
+              <a:t>Physical length is important for the which-More task</a:t>
+            </a:r>
+          </a:p>
+          <a:p>
+            <a:r>
+              <a:rPr lang="en-US" dirty="0"/>
+              <a:t>Analysis 2: </a:t>
+            </a:r>
+          </a:p>
+          <a:p>
+            <a:pPr lvl="1"/>
+            <a:r>
+              <a:rPr lang="en-US" dirty="0"/>
+              <a:t>hundred vs. hundred</a:t>
+            </a:r>
+          </a:p>
+          <a:p>
+            <a:pPr lvl="1"/>
+            <a:r>
+              <a:rPr lang="en-US" dirty="0"/>
+              <a:t>Transpositions</a:t>
+            </a:r>
+          </a:p>
+          <a:p>
+            <a:pPr lvl="2"/>
+            <a:r>
+              <a:rPr lang="en-US" dirty="0"/>
+              <a:t>Shows how individual components emerge--numbers in different ranges, zeros and transpositions--and how get integrated into one system</a:t>
+            </a:r>
+          </a:p>
+          <a:p>
+            <a:pPr lvl="2"/>
+            <a:r>
+              <a:rPr lang="en-US" dirty="0"/>
+              <a:t>N: linearly, </a:t>
+            </a:r>
+            <a:r>
+              <a:rPr lang="en-US" dirty="0" err="1"/>
+              <a:t>zerso</a:t>
+            </a:r>
+            <a:r>
+              <a:rPr lang="en-US" dirty="0"/>
+              <a:t> and transpositions are </a:t>
+            </a:r>
+            <a:r>
+              <a:rPr lang="en-US" dirty="0" err="1"/>
+              <a:t>incorportated</a:t>
+            </a:r>
+            <a:r>
+              <a:rPr lang="en-US" dirty="0"/>
+              <a:t> later with smaller numbers faster.</a:t>
+            </a:r>
+          </a:p>
+          <a:p>
+            <a:pPr lvl="2"/>
+            <a:r>
+              <a:rPr lang="en-US"/>
+              <a:t>M: </a:t>
+            </a:r>
+            <a:endParaRPr lang="en-US" dirty="0"/>
+          </a:p>
+          <a:p>
+            <a:r>
+              <a:rPr lang="en-US" dirty="0"/>
+              <a:t>Analysis 3: </a:t>
+            </a:r>
+          </a:p>
+          <a:p>
+            <a:pPr lvl="2"/>
+            <a:r>
+              <a:rPr lang="en-US" dirty="0"/>
+              <a:t>Shows an increasing complex knowledge structure with different features prominent in different stages</a:t>
+            </a:r>
+          </a:p>
+          <a:p>
+            <a:pPr lvl="2"/>
+            <a:r>
+              <a:rPr lang="en-US" dirty="0"/>
+              <a:t>Both regularities and idiosyncrasies</a:t>
+            </a:r>
+          </a:p>
+        </p:txBody>
+      </p:sp>
+      <p:sp>
+        <p:nvSpPr>
+          <p:cNvPr id="4" name="Content Placeholder 2">
+            <a:extLst>
+              <a:ext uri="{FF2B5EF4-FFF2-40B4-BE49-F238E27FC236}">
+                <a16:creationId xmlns:a16="http://schemas.microsoft.com/office/drawing/2014/main" id="{179016F5-FDAE-AD40-9B29-B8A1FB8236F6}"/>
+              </a:ext>
+            </a:extLst>
+          </p:cNvPr>
+          <p:cNvSpPr txBox="1">
+            <a:spLocks/>
+          </p:cNvSpPr>
+          <p:nvPr/>
+        </p:nvSpPr>
+        <p:spPr>
+          <a:xfrm>
+            <a:off x="27028486" y="3019981"/>
+            <a:ext cx="17597005" cy="18565709"/>
+          </a:xfrm>
+          <a:prstGeom prst="rect">
+            <a:avLst/>
+          </a:prstGeom>
+        </p:spPr>
+        <p:txBody>
+          <a:bodyPr vert="horz" lIns="91440" tIns="45720" rIns="91440" bIns="45720" rtlCol="0">
+            <a:normAutofit/>
+          </a:bodyPr>
+          <a:lstStyle>
+            <a:lvl1pPr marL="857250" indent="-857250" algn="l" defTabSz="3429000" rtl="0" eaLnBrk="1" latinLnBrk="0" hangingPunct="1">
+              <a:lnSpc>
+                <a:spcPct val="90000"/>
+              </a:lnSpc>
+              <a:spcBef>
+                <a:spcPts val="3750"/>
+              </a:spcBef>
+              <a:buFont typeface="Arial" panose="020B0604020202020204" pitchFamily="34" charset="0"/>
+              <a:buChar char="•"/>
+              <a:defRPr sz="10500" kern="1200">
+                <a:solidFill>
+                  <a:schemeClr val="tx1"/>
+                </a:solidFill>
+                <a:latin typeface="+mn-lt"/>
+                <a:ea typeface="+mn-ea"/>
+                <a:cs typeface="+mn-cs"/>
+              </a:defRPr>
+            </a:lvl1pPr>
+            <a:lvl2pPr marL="2571750" indent="-857250" algn="l" defTabSz="3429000" rtl="0" eaLnBrk="1" latinLnBrk="0" hangingPunct="1">
+              <a:lnSpc>
+                <a:spcPct val="90000"/>
+              </a:lnSpc>
+              <a:spcBef>
+                <a:spcPts val="1875"/>
+              </a:spcBef>
+              <a:buFont typeface="Arial" panose="020B0604020202020204" pitchFamily="34" charset="0"/>
+              <a:buChar char="•"/>
+              <a:defRPr sz="9000" kern="1200">
+                <a:solidFill>
+                  <a:schemeClr val="tx1"/>
+                </a:solidFill>
+                <a:latin typeface="+mn-lt"/>
+                <a:ea typeface="+mn-ea"/>
+                <a:cs typeface="+mn-cs"/>
+              </a:defRPr>
+            </a:lvl2pPr>
+            <a:lvl3pPr marL="4286250" indent="-857250" algn="l" defTabSz="3429000" rtl="0" eaLnBrk="1" latinLnBrk="0" hangingPunct="1">
+              <a:lnSpc>
+                <a:spcPct val="90000"/>
+              </a:lnSpc>
+              <a:spcBef>
+                <a:spcPts val="1875"/>
+              </a:spcBef>
+              <a:buFont typeface="Arial" panose="020B0604020202020204" pitchFamily="34" charset="0"/>
+              <a:buChar char="•"/>
+              <a:defRPr sz="7500" kern="1200">
+                <a:solidFill>
+                  <a:schemeClr val="tx1"/>
+                </a:solidFill>
+                <a:latin typeface="+mn-lt"/>
+                <a:ea typeface="+mn-ea"/>
+                <a:cs typeface="+mn-cs"/>
+              </a:defRPr>
+            </a:lvl3pPr>
+            <a:lvl4pPr marL="6000750" indent="-857250" algn="l" defTabSz="3429000" rtl="0" eaLnBrk="1" latinLnBrk="0" hangingPunct="1">
+              <a:lnSpc>
+                <a:spcPct val="90000"/>
+              </a:lnSpc>
+              <a:spcBef>
+                <a:spcPts val="1875"/>
+              </a:spcBef>
+              <a:buFont typeface="Arial" panose="020B0604020202020204" pitchFamily="34" charset="0"/>
+              <a:buChar char="•"/>
+              <a:defRPr sz="6750" kern="1200">
+                <a:solidFill>
+                  <a:schemeClr val="tx1"/>
+                </a:solidFill>
+                <a:latin typeface="+mn-lt"/>
+                <a:ea typeface="+mn-ea"/>
+                <a:cs typeface="+mn-cs"/>
+              </a:defRPr>
+            </a:lvl4pPr>
+            <a:lvl5pPr marL="7715250" indent="-857250" algn="l" defTabSz="3429000" rtl="0" eaLnBrk="1" latinLnBrk="0" hangingPunct="1">
+              <a:lnSpc>
+                <a:spcPct val="90000"/>
+              </a:lnSpc>
+              <a:spcBef>
+                <a:spcPts val="1875"/>
+              </a:spcBef>
+              <a:buFont typeface="Arial" panose="020B0604020202020204" pitchFamily="34" charset="0"/>
+              <a:buChar char="•"/>
+              <a:defRPr sz="6750" kern="1200">
+                <a:solidFill>
+                  <a:schemeClr val="tx1"/>
+                </a:solidFill>
+                <a:latin typeface="+mn-lt"/>
+                <a:ea typeface="+mn-ea"/>
+                <a:cs typeface="+mn-cs"/>
+              </a:defRPr>
+            </a:lvl5pPr>
+            <a:lvl6pPr marL="9429750" indent="-857250" algn="l" defTabSz="3429000" rtl="0" eaLnBrk="1" latinLnBrk="0" hangingPunct="1">
+              <a:lnSpc>
+                <a:spcPct val="90000"/>
+              </a:lnSpc>
+              <a:spcBef>
+                <a:spcPts val="1875"/>
+              </a:spcBef>
+              <a:buFont typeface="Arial" panose="020B0604020202020204" pitchFamily="34" charset="0"/>
+              <a:buChar char="•"/>
+              <a:defRPr sz="6750" kern="1200">
+                <a:solidFill>
+                  <a:schemeClr val="tx1"/>
+                </a:solidFill>
+                <a:latin typeface="+mn-lt"/>
+                <a:ea typeface="+mn-ea"/>
+                <a:cs typeface="+mn-cs"/>
+              </a:defRPr>
+            </a:lvl6pPr>
+            <a:lvl7pPr marL="11144250" indent="-857250" algn="l" defTabSz="3429000" rtl="0" eaLnBrk="1" latinLnBrk="0" hangingPunct="1">
+              <a:lnSpc>
+                <a:spcPct val="90000"/>
+              </a:lnSpc>
+              <a:spcBef>
+                <a:spcPts val="1875"/>
+              </a:spcBef>
+              <a:buFont typeface="Arial" panose="020B0604020202020204" pitchFamily="34" charset="0"/>
+              <a:buChar char="•"/>
+              <a:defRPr sz="6750" kern="1200">
+                <a:solidFill>
+                  <a:schemeClr val="tx1"/>
+                </a:solidFill>
+                <a:latin typeface="+mn-lt"/>
+                <a:ea typeface="+mn-ea"/>
+                <a:cs typeface="+mn-cs"/>
+              </a:defRPr>
+            </a:lvl7pPr>
+            <a:lvl8pPr marL="12858750" indent="-857250" algn="l" defTabSz="3429000" rtl="0" eaLnBrk="1" latinLnBrk="0" hangingPunct="1">
+              <a:lnSpc>
+                <a:spcPct val="90000"/>
+              </a:lnSpc>
+              <a:spcBef>
+                <a:spcPts val="1875"/>
+              </a:spcBef>
+              <a:buFont typeface="Arial" panose="020B0604020202020204" pitchFamily="34" charset="0"/>
+              <a:buChar char="•"/>
+              <a:defRPr sz="6750" kern="1200">
+                <a:solidFill>
+                  <a:schemeClr val="tx1"/>
+                </a:solidFill>
+                <a:latin typeface="+mn-lt"/>
+                <a:ea typeface="+mn-ea"/>
+                <a:cs typeface="+mn-cs"/>
+              </a:defRPr>
+            </a:lvl8pPr>
+            <a:lvl9pPr marL="14573250" indent="-857250" algn="l" defTabSz="3429000" rtl="0" eaLnBrk="1" latinLnBrk="0" hangingPunct="1">
+              <a:lnSpc>
+                <a:spcPct val="90000"/>
+              </a:lnSpc>
+              <a:spcBef>
+                <a:spcPts val="1875"/>
+              </a:spcBef>
+              <a:buFont typeface="Arial" panose="020B0604020202020204" pitchFamily="34" charset="0"/>
+              <a:buChar char="•"/>
+              <a:defRPr sz="6750" kern="1200">
+                <a:solidFill>
+                  <a:schemeClr val="tx1"/>
+                </a:solidFill>
+                <a:latin typeface="+mn-lt"/>
+                <a:ea typeface="+mn-ea"/>
+                <a:cs typeface="+mn-cs"/>
+              </a:defRPr>
+            </a:lvl9pPr>
+          </a:lstStyle>
+          <a:p>
+            <a:r>
+              <a:rPr lang="en-US" dirty="0"/>
+              <a:t>Item: 201 v 21 </a:t>
+            </a:r>
+          </a:p>
+          <a:p>
+            <a:r>
+              <a:rPr lang="en-US" dirty="0"/>
+              <a:t>Analysis 1: </a:t>
+            </a:r>
+          </a:p>
+          <a:p>
+            <a:pPr lvl="1"/>
+            <a:r>
+              <a:rPr lang="en-US" dirty="0"/>
+              <a:t>M-DP (multi-digit number with different number of places</a:t>
+            </a:r>
+          </a:p>
+          <a:p>
+            <a:r>
+              <a:rPr lang="en-US" dirty="0"/>
+              <a:t>Analysis 2: </a:t>
+            </a:r>
+          </a:p>
+          <a:p>
+            <a:pPr lvl="1"/>
+            <a:r>
+              <a:rPr lang="en-US" dirty="0"/>
+              <a:t>hundred vs. decade</a:t>
+            </a:r>
+          </a:p>
+          <a:p>
+            <a:pPr lvl="1"/>
+            <a:r>
+              <a:rPr lang="en-US" dirty="0"/>
+              <a:t>inserting zero)</a:t>
+            </a:r>
+          </a:p>
+          <a:p>
+            <a:r>
+              <a:rPr lang="en-US" dirty="0"/>
+              <a:t>Analysis 3: </a:t>
+            </a:r>
+          </a:p>
+          <a:p>
+            <a:pPr marL="0" indent="0">
+              <a:buNone/>
+            </a:pPr>
+            <a:endParaRPr lang="en-US" dirty="0"/>
+          </a:p>
+        </p:txBody>
+      </p:sp>
+      <p:graphicFrame>
+        <p:nvGraphicFramePr>
+          <p:cNvPr id="5" name="Table 4">
+            <a:extLst>
+              <a:ext uri="{FF2B5EF4-FFF2-40B4-BE49-F238E27FC236}">
+                <a16:creationId xmlns:a16="http://schemas.microsoft.com/office/drawing/2014/main" id="{E2D9F7F6-7411-BD43-835C-42DCE8AA4FBE}"/>
+              </a:ext>
+            </a:extLst>
+          </p:cNvPr>
+          <p:cNvGraphicFramePr>
+            <a:graphicFrameLocks noGrp="1"/>
+          </p:cNvGraphicFramePr>
+          <p:nvPr>
+            <p:extLst>
+              <p:ext uri="{D42A27DB-BD31-4B8C-83A1-F6EECF244321}">
+                <p14:modId xmlns:p14="http://schemas.microsoft.com/office/powerpoint/2010/main" val="1247863290"/>
+              </p:ext>
+            </p:extLst>
+          </p:nvPr>
+        </p:nvGraphicFramePr>
+        <p:xfrm>
+          <a:off x="4100945" y="21585690"/>
+          <a:ext cx="13935941" cy="7312154"/>
+        </p:xfrm>
+        <a:graphic>
+          <a:graphicData uri="http://schemas.openxmlformats.org/drawingml/2006/table">
+            <a:tbl>
+              <a:tblPr firstRow="1" firstCol="1" bandRow="1">
+                <a:tableStyleId>{5C22544A-7EE6-4342-B048-85BDC9FD1C3A}</a:tableStyleId>
+              </a:tblPr>
+              <a:tblGrid>
+                <a:gridCol w="11533193">
+                  <a:extLst>
+                    <a:ext uri="{9D8B030D-6E8A-4147-A177-3AD203B41FA5}">
+                      <a16:colId xmlns:a16="http://schemas.microsoft.com/office/drawing/2014/main" val="3435405348"/>
+                    </a:ext>
+                  </a:extLst>
+                </a:gridCol>
+                <a:gridCol w="2402748">
+                  <a:extLst>
+                    <a:ext uri="{9D8B030D-6E8A-4147-A177-3AD203B41FA5}">
+                      <a16:colId xmlns:a16="http://schemas.microsoft.com/office/drawing/2014/main" val="1769650206"/>
+                    </a:ext>
+                  </a:extLst>
+                </a:gridCol>
+              </a:tblGrid>
+              <a:tr h="0">
+                <a:tc>
+                  <a:txBody>
+                    <a:bodyPr/>
+                    <a:lstStyle/>
+                    <a:p>
+                      <a:pPr marL="0" marR="0">
+                        <a:spcBef>
+                          <a:spcPts val="0"/>
+                        </a:spcBef>
+                        <a:spcAft>
+                          <a:spcPts val="0"/>
+                        </a:spcAft>
+                      </a:pPr>
+                      <a:r>
+                        <a:rPr lang="en-US" sz="3600" dirty="0">
+                          <a:solidFill>
+                            <a:schemeClr val="tx1"/>
+                          </a:solidFill>
+                          <a:effectLst/>
+                        </a:rPr>
+                        <a:t>1. The highest place value unit among the two choice numbers</a:t>
+                      </a:r>
+                      <a:endParaRPr lang="en-US" sz="3600" dirty="0">
+                        <a:solidFill>
+                          <a:schemeClr val="tx1"/>
+                        </a:solidFill>
+                        <a:effectLst/>
+                        <a:latin typeface="Calibri" panose="020F0502020204030204" pitchFamily="34" charset="0"/>
+                        <a:ea typeface="DengXian" panose="02010600030101010101" pitchFamily="2" charset="-122"/>
+                        <a:cs typeface="Times New Roman" panose="02020603050405020304" pitchFamily="18" charset="0"/>
+                      </a:endParaRPr>
+                    </a:p>
+                  </a:txBody>
+                  <a:tcPr marL="68580" marR="68580" marT="0" marB="0">
+                    <a:noFill/>
+                  </a:tcPr>
+                </a:tc>
+                <a:tc>
+                  <a:txBody>
+                    <a:bodyPr/>
+                    <a:lstStyle/>
+                    <a:p>
+                      <a:pPr marL="0" marR="0">
+                        <a:spcBef>
+                          <a:spcPts val="0"/>
+                        </a:spcBef>
+                        <a:spcAft>
+                          <a:spcPts val="0"/>
+                        </a:spcAft>
+                      </a:pPr>
+                      <a:r>
+                        <a:rPr lang="en-US" sz="3600" dirty="0">
+                          <a:solidFill>
+                            <a:schemeClr val="tx1"/>
+                          </a:solidFill>
+                          <a:effectLst/>
+                          <a:latin typeface="Calibri" panose="020F0502020204030204" pitchFamily="34" charset="0"/>
+                          <a:ea typeface="DengXian" panose="02010600030101010101" pitchFamily="2" charset="-122"/>
+                          <a:cs typeface="Times New Roman" panose="02020603050405020304" pitchFamily="18" charset="0"/>
+                        </a:rPr>
+                        <a:t>3</a:t>
+                      </a:r>
+                    </a:p>
+                  </a:txBody>
+                  <a:tcPr marL="68580" marR="68580" marT="0" marB="0">
+                    <a:noFill/>
+                  </a:tcPr>
+                </a:tc>
+                <a:extLst>
+                  <a:ext uri="{0D108BD9-81ED-4DB2-BD59-A6C34878D82A}">
+                    <a16:rowId xmlns:a16="http://schemas.microsoft.com/office/drawing/2014/main" val="3565823384"/>
+                  </a:ext>
+                </a:extLst>
+              </a:tr>
+              <a:tr h="1126607">
+                <a:tc>
+                  <a:txBody>
+                    <a:bodyPr/>
+                    <a:lstStyle/>
+                    <a:p>
+                      <a:pPr marL="0" marR="0">
+                        <a:spcBef>
+                          <a:spcPts val="0"/>
+                        </a:spcBef>
+                        <a:spcAft>
+                          <a:spcPts val="0"/>
+                        </a:spcAft>
+                      </a:pPr>
+                      <a:r>
+                        <a:rPr lang="en-US" sz="3600">
+                          <a:solidFill>
+                            <a:schemeClr val="tx1"/>
+                          </a:solidFill>
+                          <a:effectLst/>
+                        </a:rPr>
+                        <a:t>2. The number of digits in each number within the pair</a:t>
+                      </a:r>
+                      <a:endParaRPr lang="en-US" sz="3600">
+                        <a:solidFill>
+                          <a:schemeClr val="tx1"/>
+                        </a:solidFill>
+                        <a:effectLst/>
+                        <a:latin typeface="Calibri" panose="020F0502020204030204" pitchFamily="34" charset="0"/>
+                        <a:ea typeface="DengXian" panose="02010600030101010101" pitchFamily="2" charset="-122"/>
+                        <a:cs typeface="Times New Roman" panose="02020603050405020304" pitchFamily="18" charset="0"/>
+                      </a:endParaRPr>
+                    </a:p>
+                  </a:txBody>
+                  <a:tcPr marL="68580" marR="68580" marT="0" marB="0">
+                    <a:noFill/>
+                  </a:tcPr>
+                </a:tc>
+                <a:tc>
+                  <a:txBody>
+                    <a:bodyPr/>
+                    <a:lstStyle/>
+                    <a:p>
+                      <a:pPr marL="0" marR="0">
+                        <a:spcBef>
+                          <a:spcPts val="0"/>
+                        </a:spcBef>
+                        <a:spcAft>
+                          <a:spcPts val="0"/>
+                        </a:spcAft>
+                      </a:pPr>
+                      <a:r>
+                        <a:rPr lang="en-US" sz="3600" dirty="0">
+                          <a:solidFill>
+                            <a:schemeClr val="tx1"/>
+                          </a:solidFill>
+                          <a:effectLst/>
+                          <a:latin typeface="Calibri" panose="020F0502020204030204" pitchFamily="34" charset="0"/>
+                          <a:ea typeface="DengXian" panose="02010600030101010101" pitchFamily="2" charset="-122"/>
+                          <a:cs typeface="Times New Roman" panose="02020603050405020304" pitchFamily="18" charset="0"/>
+                        </a:rPr>
+                        <a:t>3 v 3</a:t>
+                      </a:r>
+                    </a:p>
+                  </a:txBody>
+                  <a:tcPr marL="68580" marR="68580" marT="0" marB="0">
+                    <a:noFill/>
+                  </a:tcPr>
+                </a:tc>
+                <a:extLst>
+                  <a:ext uri="{0D108BD9-81ED-4DB2-BD59-A6C34878D82A}">
+                    <a16:rowId xmlns:a16="http://schemas.microsoft.com/office/drawing/2014/main" val="418380138"/>
+                  </a:ext>
+                </a:extLst>
+              </a:tr>
+              <a:tr h="1122218">
+                <a:tc>
+                  <a:txBody>
+                    <a:bodyPr/>
+                    <a:lstStyle/>
+                    <a:p>
+                      <a:pPr marL="0" marR="0">
+                        <a:spcBef>
+                          <a:spcPts val="0"/>
+                        </a:spcBef>
+                        <a:spcAft>
+                          <a:spcPts val="0"/>
+                        </a:spcAft>
+                      </a:pPr>
+                      <a:r>
+                        <a:rPr lang="en-US" sz="3600" dirty="0">
+                          <a:solidFill>
+                            <a:schemeClr val="tx1"/>
+                          </a:solidFill>
+                          <a:effectLst/>
+                        </a:rPr>
+                        <a:t>3. Whether the two choice numbers have different length</a:t>
+                      </a:r>
+                      <a:endParaRPr lang="en-US" sz="3600" dirty="0">
+                        <a:solidFill>
+                          <a:schemeClr val="tx1"/>
+                        </a:solidFill>
+                        <a:effectLst/>
+                        <a:latin typeface="Calibri" panose="020F0502020204030204" pitchFamily="34" charset="0"/>
+                        <a:ea typeface="DengXian" panose="02010600030101010101" pitchFamily="2" charset="-122"/>
+                        <a:cs typeface="Times New Roman" panose="02020603050405020304" pitchFamily="18" charset="0"/>
+                      </a:endParaRPr>
+                    </a:p>
+                  </a:txBody>
+                  <a:tcPr marL="68580" marR="68580" marT="0" marB="0">
+                    <a:noFill/>
+                  </a:tcPr>
+                </a:tc>
+                <a:tc>
+                  <a:txBody>
+                    <a:bodyPr/>
+                    <a:lstStyle/>
+                    <a:p>
+                      <a:pPr marL="0" marR="0">
+                        <a:spcBef>
+                          <a:spcPts val="0"/>
+                        </a:spcBef>
+                        <a:spcAft>
+                          <a:spcPts val="0"/>
+                        </a:spcAft>
+                      </a:pPr>
+                      <a:r>
+                        <a:rPr lang="en-US" sz="3600" dirty="0">
+                          <a:solidFill>
+                            <a:schemeClr val="tx1"/>
+                          </a:solidFill>
+                          <a:effectLst/>
+                          <a:latin typeface="Calibri" panose="020F0502020204030204" pitchFamily="34" charset="0"/>
+                          <a:ea typeface="DengXian" panose="02010600030101010101" pitchFamily="2" charset="-122"/>
+                          <a:cs typeface="Times New Roman" panose="02020603050405020304" pitchFamily="18" charset="0"/>
+                        </a:rPr>
+                        <a:t>No </a:t>
+                      </a:r>
+                    </a:p>
+                  </a:txBody>
+                  <a:tcPr marL="68580" marR="68580" marT="0" marB="0">
+                    <a:noFill/>
+                  </a:tcPr>
+                </a:tc>
+                <a:extLst>
+                  <a:ext uri="{0D108BD9-81ED-4DB2-BD59-A6C34878D82A}">
+                    <a16:rowId xmlns:a16="http://schemas.microsoft.com/office/drawing/2014/main" val="3277748214"/>
+                  </a:ext>
+                </a:extLst>
+              </a:tr>
+              <a:tr h="1246909">
+                <a:tc>
+                  <a:txBody>
+                    <a:bodyPr/>
+                    <a:lstStyle/>
+                    <a:p>
+                      <a:pPr marL="0" marR="0">
+                        <a:spcBef>
+                          <a:spcPts val="0"/>
+                        </a:spcBef>
+                        <a:spcAft>
+                          <a:spcPts val="0"/>
+                        </a:spcAft>
+                      </a:pPr>
+                      <a:r>
+                        <a:rPr lang="en-US" sz="3600">
+                          <a:solidFill>
+                            <a:schemeClr val="tx1"/>
+                          </a:solidFill>
+                          <a:effectLst/>
+                        </a:rPr>
+                        <a:t>4. Whether the two number differ in the insertion of “0”</a:t>
+                      </a:r>
+                      <a:endParaRPr lang="en-US" sz="3600">
+                        <a:solidFill>
+                          <a:schemeClr val="tx1"/>
+                        </a:solidFill>
+                        <a:effectLst/>
+                        <a:latin typeface="Calibri" panose="020F0502020204030204" pitchFamily="34" charset="0"/>
+                        <a:ea typeface="DengXian" panose="02010600030101010101" pitchFamily="2" charset="-122"/>
+                        <a:cs typeface="Times New Roman" panose="02020603050405020304" pitchFamily="18" charset="0"/>
+                      </a:endParaRPr>
+                    </a:p>
+                  </a:txBody>
+                  <a:tcPr marL="68580" marR="68580" marT="0" marB="0">
+                    <a:noFill/>
+                  </a:tcPr>
+                </a:tc>
+                <a:tc>
+                  <a:txBody>
+                    <a:bodyPr/>
+                    <a:lstStyle/>
+                    <a:p>
+                      <a:pPr marL="0" marR="0">
+                        <a:spcBef>
+                          <a:spcPts val="0"/>
+                        </a:spcBef>
+                        <a:spcAft>
+                          <a:spcPts val="0"/>
+                        </a:spcAft>
+                      </a:pPr>
+                      <a:r>
+                        <a:rPr lang="en-US" sz="3600" dirty="0">
+                          <a:solidFill>
+                            <a:schemeClr val="tx1"/>
+                          </a:solidFill>
+                          <a:effectLst/>
+                          <a:latin typeface="Calibri" panose="020F0502020204030204" pitchFamily="34" charset="0"/>
+                          <a:ea typeface="DengXian" panose="02010600030101010101" pitchFamily="2" charset="-122"/>
+                          <a:cs typeface="Times New Roman" panose="02020603050405020304" pitchFamily="18" charset="0"/>
+                        </a:rPr>
+                        <a:t>No </a:t>
+                      </a:r>
+                    </a:p>
+                  </a:txBody>
+                  <a:tcPr marL="68580" marR="68580" marT="0" marB="0">
+                    <a:noFill/>
+                  </a:tcPr>
+                </a:tc>
+                <a:extLst>
+                  <a:ext uri="{0D108BD9-81ED-4DB2-BD59-A6C34878D82A}">
+                    <a16:rowId xmlns:a16="http://schemas.microsoft.com/office/drawing/2014/main" val="568660034"/>
+                  </a:ext>
+                </a:extLst>
+              </a:tr>
+              <a:tr h="1080655">
+                <a:tc>
+                  <a:txBody>
+                    <a:bodyPr/>
+                    <a:lstStyle/>
+                    <a:p>
+                      <a:pPr marL="0" marR="0">
+                        <a:spcBef>
+                          <a:spcPts val="0"/>
+                        </a:spcBef>
+                        <a:spcAft>
+                          <a:spcPts val="0"/>
+                        </a:spcAft>
+                      </a:pPr>
+                      <a:r>
+                        <a:rPr lang="en-US" sz="3600">
+                          <a:solidFill>
+                            <a:schemeClr val="tx1"/>
+                          </a:solidFill>
+                          <a:effectLst/>
+                        </a:rPr>
+                        <a:t>5. Whether only one digit is different and is not “0” </a:t>
+                      </a:r>
+                      <a:endParaRPr lang="en-US" sz="3600">
+                        <a:solidFill>
+                          <a:schemeClr val="tx1"/>
+                        </a:solidFill>
+                        <a:effectLst/>
+                        <a:latin typeface="Calibri" panose="020F0502020204030204" pitchFamily="34" charset="0"/>
+                        <a:ea typeface="DengXian" panose="02010600030101010101" pitchFamily="2" charset="-122"/>
+                        <a:cs typeface="Times New Roman" panose="02020603050405020304" pitchFamily="18" charset="0"/>
+                      </a:endParaRPr>
+                    </a:p>
+                  </a:txBody>
+                  <a:tcPr marL="68580" marR="68580" marT="0" marB="0">
+                    <a:noFill/>
+                  </a:tcPr>
+                </a:tc>
+                <a:tc>
+                  <a:txBody>
+                    <a:bodyPr/>
+                    <a:lstStyle/>
+                    <a:p>
+                      <a:pPr marL="0" marR="0">
+                        <a:spcBef>
+                          <a:spcPts val="0"/>
+                        </a:spcBef>
+                        <a:spcAft>
+                          <a:spcPts val="0"/>
+                        </a:spcAft>
+                      </a:pPr>
+                      <a:r>
+                        <a:rPr lang="en-US" sz="3600" dirty="0">
+                          <a:solidFill>
+                            <a:schemeClr val="tx1"/>
+                          </a:solidFill>
+                          <a:effectLst/>
+                          <a:latin typeface="Calibri" panose="020F0502020204030204" pitchFamily="34" charset="0"/>
+                          <a:ea typeface="DengXian" panose="02010600030101010101" pitchFamily="2" charset="-122"/>
+                          <a:cs typeface="Times New Roman" panose="02020603050405020304" pitchFamily="18" charset="0"/>
+                        </a:rPr>
+                        <a:t>No </a:t>
+                      </a:r>
+                    </a:p>
+                  </a:txBody>
+                  <a:tcPr marL="68580" marR="68580" marT="0" marB="0">
+                    <a:noFill/>
+                  </a:tcPr>
+                </a:tc>
+                <a:extLst>
+                  <a:ext uri="{0D108BD9-81ED-4DB2-BD59-A6C34878D82A}">
+                    <a16:rowId xmlns:a16="http://schemas.microsoft.com/office/drawing/2014/main" val="4206562511"/>
+                  </a:ext>
+                </a:extLst>
+              </a:tr>
+              <a:tr h="1638485">
+                <a:tc>
+                  <a:txBody>
+                    <a:bodyPr/>
+                    <a:lstStyle/>
+                    <a:p>
+                      <a:pPr marL="0" marR="0">
+                        <a:spcBef>
+                          <a:spcPts val="0"/>
+                        </a:spcBef>
+                        <a:spcAft>
+                          <a:spcPts val="0"/>
+                        </a:spcAft>
+                      </a:pPr>
+                      <a:r>
+                        <a:rPr lang="en-US" sz="3600" dirty="0">
+                          <a:solidFill>
+                            <a:schemeClr val="tx1"/>
+                          </a:solidFill>
+                          <a:effectLst/>
+                        </a:rPr>
+                        <a:t>6. Whether the item involves transposition of individual digits</a:t>
+                      </a:r>
+                      <a:endParaRPr lang="en-US" sz="3600" dirty="0">
+                        <a:solidFill>
+                          <a:schemeClr val="tx1"/>
+                        </a:solidFill>
+                        <a:effectLst/>
+                        <a:latin typeface="Calibri" panose="020F0502020204030204" pitchFamily="34" charset="0"/>
+                        <a:ea typeface="DengXian" panose="02010600030101010101" pitchFamily="2" charset="-122"/>
+                        <a:cs typeface="Times New Roman" panose="02020603050405020304" pitchFamily="18" charset="0"/>
+                      </a:endParaRPr>
+                    </a:p>
+                  </a:txBody>
+                  <a:tcPr marL="68580" marR="68580" marT="0" marB="0">
+                    <a:noFill/>
+                  </a:tcPr>
+                </a:tc>
+                <a:tc>
+                  <a:txBody>
+                    <a:bodyPr/>
+                    <a:lstStyle/>
+                    <a:p>
+                      <a:pPr marL="0" marR="0">
+                        <a:spcBef>
+                          <a:spcPts val="0"/>
+                        </a:spcBef>
+                        <a:spcAft>
+                          <a:spcPts val="0"/>
+                        </a:spcAft>
+                      </a:pPr>
+                      <a:r>
+                        <a:rPr lang="en-US" sz="3600" dirty="0">
+                          <a:solidFill>
+                            <a:schemeClr val="tx1"/>
+                          </a:solidFill>
+                          <a:effectLst/>
+                          <a:latin typeface="Calibri" panose="020F0502020204030204" pitchFamily="34" charset="0"/>
+                          <a:ea typeface="DengXian" panose="02010600030101010101" pitchFamily="2" charset="-122"/>
+                          <a:cs typeface="Times New Roman" panose="02020603050405020304" pitchFamily="18" charset="0"/>
+                        </a:rPr>
+                        <a:t>yes</a:t>
+                      </a:r>
+                    </a:p>
+                  </a:txBody>
+                  <a:tcPr marL="68580" marR="68580" marT="0" marB="0">
+                    <a:noFill/>
+                  </a:tcPr>
+                </a:tc>
+                <a:extLst>
+                  <a:ext uri="{0D108BD9-81ED-4DB2-BD59-A6C34878D82A}">
+                    <a16:rowId xmlns:a16="http://schemas.microsoft.com/office/drawing/2014/main" val="1199765038"/>
+                  </a:ext>
+                </a:extLst>
+              </a:tr>
+            </a:tbl>
+          </a:graphicData>
+        </a:graphic>
+      </p:graphicFrame>
+      <p:graphicFrame>
+        <p:nvGraphicFramePr>
+          <p:cNvPr id="6" name="Table 5">
+            <a:extLst>
+              <a:ext uri="{FF2B5EF4-FFF2-40B4-BE49-F238E27FC236}">
+                <a16:creationId xmlns:a16="http://schemas.microsoft.com/office/drawing/2014/main" id="{812C09D6-CC30-454B-8F7A-6771D7F5F95F}"/>
+              </a:ext>
+            </a:extLst>
+          </p:cNvPr>
+          <p:cNvGraphicFramePr>
+            <a:graphicFrameLocks noGrp="1"/>
+          </p:cNvGraphicFramePr>
+          <p:nvPr>
+            <p:extLst>
+              <p:ext uri="{D42A27DB-BD31-4B8C-83A1-F6EECF244321}">
+                <p14:modId xmlns:p14="http://schemas.microsoft.com/office/powerpoint/2010/main" val="1401939378"/>
+              </p:ext>
+            </p:extLst>
+          </p:nvPr>
+        </p:nvGraphicFramePr>
+        <p:xfrm>
+          <a:off x="28859017" y="20407282"/>
+          <a:ext cx="13935941" cy="7312154"/>
+        </p:xfrm>
+        <a:graphic>
+          <a:graphicData uri="http://schemas.openxmlformats.org/drawingml/2006/table">
+            <a:tbl>
+              <a:tblPr firstRow="1" firstCol="1" bandRow="1">
+                <a:tableStyleId>{5C22544A-7EE6-4342-B048-85BDC9FD1C3A}</a:tableStyleId>
+              </a:tblPr>
+              <a:tblGrid>
+                <a:gridCol w="11533193">
+                  <a:extLst>
+                    <a:ext uri="{9D8B030D-6E8A-4147-A177-3AD203B41FA5}">
+                      <a16:colId xmlns:a16="http://schemas.microsoft.com/office/drawing/2014/main" val="3435405348"/>
+                    </a:ext>
+                  </a:extLst>
+                </a:gridCol>
+                <a:gridCol w="2402748">
+                  <a:extLst>
+                    <a:ext uri="{9D8B030D-6E8A-4147-A177-3AD203B41FA5}">
+                      <a16:colId xmlns:a16="http://schemas.microsoft.com/office/drawing/2014/main" val="1769650206"/>
+                    </a:ext>
+                  </a:extLst>
+                </a:gridCol>
+              </a:tblGrid>
+              <a:tr h="0">
+                <a:tc>
+                  <a:txBody>
+                    <a:bodyPr/>
+                    <a:lstStyle/>
+                    <a:p>
+                      <a:pPr marL="0" marR="0">
+                        <a:spcBef>
+                          <a:spcPts val="0"/>
+                        </a:spcBef>
+                        <a:spcAft>
+                          <a:spcPts val="0"/>
+                        </a:spcAft>
+                      </a:pPr>
+                      <a:r>
+                        <a:rPr lang="en-US" sz="3600" dirty="0">
+                          <a:solidFill>
+                            <a:schemeClr val="tx1"/>
+                          </a:solidFill>
+                          <a:effectLst/>
+                        </a:rPr>
+                        <a:t>1. The highest place value unit among the two choice numbers</a:t>
+                      </a:r>
+                      <a:endParaRPr lang="en-US" sz="3600" dirty="0">
+                        <a:solidFill>
+                          <a:schemeClr val="tx1"/>
+                        </a:solidFill>
+                        <a:effectLst/>
+                        <a:latin typeface="Calibri" panose="020F0502020204030204" pitchFamily="34" charset="0"/>
+                        <a:ea typeface="DengXian" panose="02010600030101010101" pitchFamily="2" charset="-122"/>
+                        <a:cs typeface="Times New Roman" panose="02020603050405020304" pitchFamily="18" charset="0"/>
+                      </a:endParaRPr>
+                    </a:p>
+                  </a:txBody>
+                  <a:tcPr marL="68580" marR="68580" marT="0" marB="0">
+                    <a:noFill/>
+                  </a:tcPr>
+                </a:tc>
+                <a:tc>
+                  <a:txBody>
+                    <a:bodyPr/>
+                    <a:lstStyle/>
+                    <a:p>
+                      <a:pPr marL="0" marR="0">
+                        <a:spcBef>
+                          <a:spcPts val="0"/>
+                        </a:spcBef>
+                        <a:spcAft>
+                          <a:spcPts val="0"/>
+                        </a:spcAft>
+                      </a:pPr>
+                      <a:r>
+                        <a:rPr lang="en-US" sz="3600" dirty="0">
+                          <a:solidFill>
+                            <a:schemeClr val="tx1"/>
+                          </a:solidFill>
+                          <a:effectLst/>
+                          <a:latin typeface="Calibri" panose="020F0502020204030204" pitchFamily="34" charset="0"/>
+                          <a:ea typeface="DengXian" panose="02010600030101010101" pitchFamily="2" charset="-122"/>
+                          <a:cs typeface="Times New Roman" panose="02020603050405020304" pitchFamily="18" charset="0"/>
+                        </a:rPr>
+                        <a:t>3</a:t>
+                      </a:r>
+                    </a:p>
+                  </a:txBody>
+                  <a:tcPr marL="68580" marR="68580" marT="0" marB="0">
+                    <a:noFill/>
+                  </a:tcPr>
+                </a:tc>
+                <a:extLst>
+                  <a:ext uri="{0D108BD9-81ED-4DB2-BD59-A6C34878D82A}">
+                    <a16:rowId xmlns:a16="http://schemas.microsoft.com/office/drawing/2014/main" val="3565823384"/>
+                  </a:ext>
+                </a:extLst>
+              </a:tr>
+              <a:tr h="1126607">
+                <a:tc>
+                  <a:txBody>
+                    <a:bodyPr/>
+                    <a:lstStyle/>
+                    <a:p>
+                      <a:pPr marL="0" marR="0">
+                        <a:spcBef>
+                          <a:spcPts val="0"/>
+                        </a:spcBef>
+                        <a:spcAft>
+                          <a:spcPts val="0"/>
+                        </a:spcAft>
+                      </a:pPr>
+                      <a:r>
+                        <a:rPr lang="en-US" sz="3600">
+                          <a:solidFill>
+                            <a:schemeClr val="tx1"/>
+                          </a:solidFill>
+                          <a:effectLst/>
+                        </a:rPr>
+                        <a:t>2. The number of digits in each number within the pair</a:t>
+                      </a:r>
+                      <a:endParaRPr lang="en-US" sz="3600">
+                        <a:solidFill>
+                          <a:schemeClr val="tx1"/>
+                        </a:solidFill>
+                        <a:effectLst/>
+                        <a:latin typeface="Calibri" panose="020F0502020204030204" pitchFamily="34" charset="0"/>
+                        <a:ea typeface="DengXian" panose="02010600030101010101" pitchFamily="2" charset="-122"/>
+                        <a:cs typeface="Times New Roman" panose="02020603050405020304" pitchFamily="18" charset="0"/>
+                      </a:endParaRPr>
+                    </a:p>
+                  </a:txBody>
+                  <a:tcPr marL="68580" marR="68580" marT="0" marB="0">
+                    <a:noFill/>
+                  </a:tcPr>
+                </a:tc>
+                <a:tc>
+                  <a:txBody>
+                    <a:bodyPr/>
+                    <a:lstStyle/>
+                    <a:p>
+                      <a:pPr marL="0" marR="0">
+                        <a:spcBef>
+                          <a:spcPts val="0"/>
+                        </a:spcBef>
+                        <a:spcAft>
+                          <a:spcPts val="0"/>
+                        </a:spcAft>
+                      </a:pPr>
+                      <a:r>
+                        <a:rPr lang="en-US" sz="3600" dirty="0">
+                          <a:solidFill>
+                            <a:schemeClr val="tx1"/>
+                          </a:solidFill>
+                          <a:effectLst/>
+                          <a:latin typeface="Calibri" panose="020F0502020204030204" pitchFamily="34" charset="0"/>
+                          <a:ea typeface="DengXian" panose="02010600030101010101" pitchFamily="2" charset="-122"/>
+                          <a:cs typeface="Times New Roman" panose="02020603050405020304" pitchFamily="18" charset="0"/>
+                        </a:rPr>
+                        <a:t>2 v 3</a:t>
+                      </a:r>
+                    </a:p>
+                  </a:txBody>
+                  <a:tcPr marL="68580" marR="68580" marT="0" marB="0">
+                    <a:noFill/>
+                  </a:tcPr>
+                </a:tc>
+                <a:extLst>
+                  <a:ext uri="{0D108BD9-81ED-4DB2-BD59-A6C34878D82A}">
+                    <a16:rowId xmlns:a16="http://schemas.microsoft.com/office/drawing/2014/main" val="418380138"/>
+                  </a:ext>
+                </a:extLst>
+              </a:tr>
+              <a:tr h="1122218">
+                <a:tc>
+                  <a:txBody>
+                    <a:bodyPr/>
+                    <a:lstStyle/>
+                    <a:p>
+                      <a:pPr marL="0" marR="0">
+                        <a:spcBef>
+                          <a:spcPts val="0"/>
+                        </a:spcBef>
+                        <a:spcAft>
+                          <a:spcPts val="0"/>
+                        </a:spcAft>
+                      </a:pPr>
+                      <a:r>
+                        <a:rPr lang="en-US" sz="3600">
+                          <a:solidFill>
+                            <a:schemeClr val="tx1"/>
+                          </a:solidFill>
+                          <a:effectLst/>
+                        </a:rPr>
+                        <a:t>3. Whether the two choice numbers have different length</a:t>
+                      </a:r>
+                      <a:endParaRPr lang="en-US" sz="3600">
+                        <a:solidFill>
+                          <a:schemeClr val="tx1"/>
+                        </a:solidFill>
+                        <a:effectLst/>
+                        <a:latin typeface="Calibri" panose="020F0502020204030204" pitchFamily="34" charset="0"/>
+                        <a:ea typeface="DengXian" panose="02010600030101010101" pitchFamily="2" charset="-122"/>
+                        <a:cs typeface="Times New Roman" panose="02020603050405020304" pitchFamily="18" charset="0"/>
+                      </a:endParaRPr>
+                    </a:p>
+                  </a:txBody>
+                  <a:tcPr marL="68580" marR="68580" marT="0" marB="0">
+                    <a:noFill/>
+                  </a:tcPr>
+                </a:tc>
+                <a:tc>
+                  <a:txBody>
+                    <a:bodyPr/>
+                    <a:lstStyle/>
+                    <a:p>
+                      <a:pPr marL="0" marR="0">
+                        <a:spcBef>
+                          <a:spcPts val="0"/>
+                        </a:spcBef>
+                        <a:spcAft>
+                          <a:spcPts val="0"/>
+                        </a:spcAft>
+                      </a:pPr>
+                      <a:r>
+                        <a:rPr lang="en-US" sz="3600" dirty="0">
+                          <a:solidFill>
+                            <a:schemeClr val="tx1"/>
+                          </a:solidFill>
+                          <a:effectLst/>
+                          <a:latin typeface="Calibri" panose="020F0502020204030204" pitchFamily="34" charset="0"/>
+                          <a:ea typeface="DengXian" panose="02010600030101010101" pitchFamily="2" charset="-122"/>
+                          <a:cs typeface="Times New Roman" panose="02020603050405020304" pitchFamily="18" charset="0"/>
+                        </a:rPr>
+                        <a:t>Yes </a:t>
+                      </a:r>
+                    </a:p>
+                  </a:txBody>
+                  <a:tcPr marL="68580" marR="68580" marT="0" marB="0">
+                    <a:noFill/>
+                  </a:tcPr>
+                </a:tc>
+                <a:extLst>
+                  <a:ext uri="{0D108BD9-81ED-4DB2-BD59-A6C34878D82A}">
+                    <a16:rowId xmlns:a16="http://schemas.microsoft.com/office/drawing/2014/main" val="3277748214"/>
+                  </a:ext>
+                </a:extLst>
+              </a:tr>
+              <a:tr h="1246909">
+                <a:tc>
+                  <a:txBody>
+                    <a:bodyPr/>
+                    <a:lstStyle/>
+                    <a:p>
+                      <a:pPr marL="0" marR="0">
+                        <a:spcBef>
+                          <a:spcPts val="0"/>
+                        </a:spcBef>
+                        <a:spcAft>
+                          <a:spcPts val="0"/>
+                        </a:spcAft>
+                      </a:pPr>
+                      <a:r>
+                        <a:rPr lang="en-US" sz="3600">
+                          <a:solidFill>
+                            <a:schemeClr val="tx1"/>
+                          </a:solidFill>
+                          <a:effectLst/>
+                        </a:rPr>
+                        <a:t>4. Whether the two number differ in the insertion of “0”</a:t>
+                      </a:r>
+                      <a:endParaRPr lang="en-US" sz="3600">
+                        <a:solidFill>
+                          <a:schemeClr val="tx1"/>
+                        </a:solidFill>
+                        <a:effectLst/>
+                        <a:latin typeface="Calibri" panose="020F0502020204030204" pitchFamily="34" charset="0"/>
+                        <a:ea typeface="DengXian" panose="02010600030101010101" pitchFamily="2" charset="-122"/>
+                        <a:cs typeface="Times New Roman" panose="02020603050405020304" pitchFamily="18" charset="0"/>
+                      </a:endParaRPr>
+                    </a:p>
+                  </a:txBody>
+                  <a:tcPr marL="68580" marR="68580" marT="0" marB="0">
+                    <a:noFill/>
+                  </a:tcPr>
+                </a:tc>
+                <a:tc>
+                  <a:txBody>
+                    <a:bodyPr/>
+                    <a:lstStyle/>
+                    <a:p>
+                      <a:pPr marL="0" marR="0">
+                        <a:spcBef>
+                          <a:spcPts val="0"/>
+                        </a:spcBef>
+                        <a:spcAft>
+                          <a:spcPts val="0"/>
+                        </a:spcAft>
+                      </a:pPr>
+                      <a:r>
+                        <a:rPr lang="en-US" sz="3600" dirty="0">
+                          <a:solidFill>
+                            <a:schemeClr val="tx1"/>
+                          </a:solidFill>
+                          <a:effectLst/>
+                          <a:latin typeface="Calibri" panose="020F0502020204030204" pitchFamily="34" charset="0"/>
+                          <a:ea typeface="DengXian" panose="02010600030101010101" pitchFamily="2" charset="-122"/>
+                          <a:cs typeface="Times New Roman" panose="02020603050405020304" pitchFamily="18" charset="0"/>
+                        </a:rPr>
+                        <a:t>Yes </a:t>
+                      </a:r>
+                    </a:p>
+                  </a:txBody>
+                  <a:tcPr marL="68580" marR="68580" marT="0" marB="0">
+                    <a:noFill/>
+                  </a:tcPr>
+                </a:tc>
+                <a:extLst>
+                  <a:ext uri="{0D108BD9-81ED-4DB2-BD59-A6C34878D82A}">
+                    <a16:rowId xmlns:a16="http://schemas.microsoft.com/office/drawing/2014/main" val="568660034"/>
+                  </a:ext>
+                </a:extLst>
+              </a:tr>
+              <a:tr h="1080655">
+                <a:tc>
+                  <a:txBody>
+                    <a:bodyPr/>
+                    <a:lstStyle/>
+                    <a:p>
+                      <a:pPr marL="0" marR="0">
+                        <a:spcBef>
+                          <a:spcPts val="0"/>
+                        </a:spcBef>
+                        <a:spcAft>
+                          <a:spcPts val="0"/>
+                        </a:spcAft>
+                      </a:pPr>
+                      <a:r>
+                        <a:rPr lang="en-US" sz="3600">
+                          <a:solidFill>
+                            <a:schemeClr val="tx1"/>
+                          </a:solidFill>
+                          <a:effectLst/>
+                        </a:rPr>
+                        <a:t>5. Whether only one digit is different and is not “0” </a:t>
+                      </a:r>
+                      <a:endParaRPr lang="en-US" sz="3600">
+                        <a:solidFill>
+                          <a:schemeClr val="tx1"/>
+                        </a:solidFill>
+                        <a:effectLst/>
+                        <a:latin typeface="Calibri" panose="020F0502020204030204" pitchFamily="34" charset="0"/>
+                        <a:ea typeface="DengXian" panose="02010600030101010101" pitchFamily="2" charset="-122"/>
+                        <a:cs typeface="Times New Roman" panose="02020603050405020304" pitchFamily="18" charset="0"/>
+                      </a:endParaRPr>
+                    </a:p>
+                  </a:txBody>
+                  <a:tcPr marL="68580" marR="68580" marT="0" marB="0">
+                    <a:noFill/>
+                  </a:tcPr>
+                </a:tc>
+                <a:tc>
+                  <a:txBody>
+                    <a:bodyPr/>
+                    <a:lstStyle/>
+                    <a:p>
+                      <a:pPr marL="0" marR="0">
+                        <a:spcBef>
+                          <a:spcPts val="0"/>
+                        </a:spcBef>
+                        <a:spcAft>
+                          <a:spcPts val="0"/>
+                        </a:spcAft>
+                      </a:pPr>
+                      <a:r>
+                        <a:rPr lang="en-US" sz="3600" dirty="0">
+                          <a:solidFill>
+                            <a:schemeClr val="tx1"/>
+                          </a:solidFill>
+                          <a:effectLst/>
+                          <a:latin typeface="Calibri" panose="020F0502020204030204" pitchFamily="34" charset="0"/>
+                          <a:ea typeface="DengXian" panose="02010600030101010101" pitchFamily="2" charset="-122"/>
+                          <a:cs typeface="Times New Roman" panose="02020603050405020304" pitchFamily="18" charset="0"/>
+                        </a:rPr>
+                        <a:t>No </a:t>
+                      </a:r>
+                    </a:p>
+                  </a:txBody>
+                  <a:tcPr marL="68580" marR="68580" marT="0" marB="0">
+                    <a:noFill/>
+                  </a:tcPr>
+                </a:tc>
+                <a:extLst>
+                  <a:ext uri="{0D108BD9-81ED-4DB2-BD59-A6C34878D82A}">
+                    <a16:rowId xmlns:a16="http://schemas.microsoft.com/office/drawing/2014/main" val="4206562511"/>
+                  </a:ext>
+                </a:extLst>
+              </a:tr>
+              <a:tr h="1638485">
+                <a:tc>
+                  <a:txBody>
+                    <a:bodyPr/>
+                    <a:lstStyle/>
+                    <a:p>
+                      <a:pPr marL="0" marR="0">
+                        <a:spcBef>
+                          <a:spcPts val="0"/>
+                        </a:spcBef>
+                        <a:spcAft>
+                          <a:spcPts val="0"/>
+                        </a:spcAft>
+                      </a:pPr>
+                      <a:r>
+                        <a:rPr lang="en-US" sz="3600" dirty="0">
+                          <a:solidFill>
+                            <a:schemeClr val="tx1"/>
+                          </a:solidFill>
+                          <a:effectLst/>
+                        </a:rPr>
+                        <a:t>6. Whether the item involves transposition of individual digits</a:t>
+                      </a:r>
+                      <a:endParaRPr lang="en-US" sz="3600" dirty="0">
+                        <a:solidFill>
+                          <a:schemeClr val="tx1"/>
+                        </a:solidFill>
+                        <a:effectLst/>
+                        <a:latin typeface="Calibri" panose="020F0502020204030204" pitchFamily="34" charset="0"/>
+                        <a:ea typeface="DengXian" panose="02010600030101010101" pitchFamily="2" charset="-122"/>
+                        <a:cs typeface="Times New Roman" panose="02020603050405020304" pitchFamily="18" charset="0"/>
+                      </a:endParaRPr>
+                    </a:p>
+                  </a:txBody>
+                  <a:tcPr marL="68580" marR="68580" marT="0" marB="0">
+                    <a:noFill/>
+                  </a:tcPr>
+                </a:tc>
+                <a:tc>
+                  <a:txBody>
+                    <a:bodyPr/>
+                    <a:lstStyle/>
+                    <a:p>
+                      <a:pPr marL="0" marR="0">
+                        <a:spcBef>
+                          <a:spcPts val="0"/>
+                        </a:spcBef>
+                        <a:spcAft>
+                          <a:spcPts val="0"/>
+                        </a:spcAft>
+                      </a:pPr>
+                      <a:r>
+                        <a:rPr lang="en-US" sz="3600" dirty="0">
+                          <a:solidFill>
+                            <a:schemeClr val="tx1"/>
+                          </a:solidFill>
+                          <a:effectLst/>
+                          <a:latin typeface="Calibri" panose="020F0502020204030204" pitchFamily="34" charset="0"/>
+                          <a:ea typeface="DengXian" panose="02010600030101010101" pitchFamily="2" charset="-122"/>
+                          <a:cs typeface="Times New Roman" panose="02020603050405020304" pitchFamily="18" charset="0"/>
+                        </a:rPr>
+                        <a:t>No</a:t>
+                      </a:r>
+                    </a:p>
+                  </a:txBody>
+                  <a:tcPr marL="68580" marR="68580" marT="0" marB="0">
+                    <a:noFill/>
+                  </a:tcPr>
+                </a:tc>
+                <a:extLst>
+                  <a:ext uri="{0D108BD9-81ED-4DB2-BD59-A6C34878D82A}">
+                    <a16:rowId xmlns:a16="http://schemas.microsoft.com/office/drawing/2014/main" val="1199765038"/>
+                  </a:ext>
+                </a:extLst>
+              </a:tr>
+            </a:tbl>
+          </a:graphicData>
+        </a:graphic>
+      </p:graphicFrame>
+    </p:spTree>
+    <p:extLst>
+      <p:ext uri="{BB962C8B-B14F-4D97-AF65-F5344CB8AC3E}">
+        <p14:creationId xmlns:p14="http://schemas.microsoft.com/office/powerpoint/2010/main" val="3924250187"/>
       </p:ext>
     </p:extLst>
   </p:cSld>

--- a/Plots/Network analysis summary.pptx
+++ b/Plots/Network analysis summary.pptx
@@ -226,7 +226,7 @@
           <a:p>
             <a:fld id="{0E83F2AA-93BB-C94E-9A80-F08CDF2EBA47}" type="datetimeFigureOut">
               <a:rPr lang="en-US" smtClean="0"/>
-              <a:t>7/29/21</a:t>
+              <a:t>8/6/21</a:t>
             </a:fld>
             <a:endParaRPr lang="en-US"/>
           </a:p>
@@ -708,7 +708,7 @@
           <a:p>
             <a:fld id="{554E7DDD-058B-1841-B94D-DB98A383CD5A}" type="datetimeFigureOut">
               <a:rPr lang="en-US" smtClean="0"/>
-              <a:t>7/29/21</a:t>
+              <a:t>8/6/21</a:t>
             </a:fld>
             <a:endParaRPr lang="en-US"/>
           </a:p>
@@ -878,7 +878,7 @@
           <a:p>
             <a:fld id="{554E7DDD-058B-1841-B94D-DB98A383CD5A}" type="datetimeFigureOut">
               <a:rPr lang="en-US" smtClean="0"/>
-              <a:t>7/29/21</a:t>
+              <a:t>8/6/21</a:t>
             </a:fld>
             <a:endParaRPr lang="en-US"/>
           </a:p>
@@ -1058,7 +1058,7 @@
           <a:p>
             <a:fld id="{554E7DDD-058B-1841-B94D-DB98A383CD5A}" type="datetimeFigureOut">
               <a:rPr lang="en-US" smtClean="0"/>
-              <a:t>7/29/21</a:t>
+              <a:t>8/6/21</a:t>
             </a:fld>
             <a:endParaRPr lang="en-US"/>
           </a:p>
@@ -1228,7 +1228,7 @@
           <a:p>
             <a:fld id="{554E7DDD-058B-1841-B94D-DB98A383CD5A}" type="datetimeFigureOut">
               <a:rPr lang="en-US" smtClean="0"/>
-              <a:t>7/29/21</a:t>
+              <a:t>8/6/21</a:t>
             </a:fld>
             <a:endParaRPr lang="en-US"/>
           </a:p>
@@ -1474,7 +1474,7 @@
           <a:p>
             <a:fld id="{554E7DDD-058B-1841-B94D-DB98A383CD5A}" type="datetimeFigureOut">
               <a:rPr lang="en-US" smtClean="0"/>
-              <a:t>7/29/21</a:t>
+              <a:t>8/6/21</a:t>
             </a:fld>
             <a:endParaRPr lang="en-US"/>
           </a:p>
@@ -1706,7 +1706,7 @@
           <a:p>
             <a:fld id="{554E7DDD-058B-1841-B94D-DB98A383CD5A}" type="datetimeFigureOut">
               <a:rPr lang="en-US" smtClean="0"/>
-              <a:t>7/29/21</a:t>
+              <a:t>8/6/21</a:t>
             </a:fld>
             <a:endParaRPr lang="en-US"/>
           </a:p>
@@ -2073,7 +2073,7 @@
           <a:p>
             <a:fld id="{554E7DDD-058B-1841-B94D-DB98A383CD5A}" type="datetimeFigureOut">
               <a:rPr lang="en-US" smtClean="0"/>
-              <a:t>7/29/21</a:t>
+              <a:t>8/6/21</a:t>
             </a:fld>
             <a:endParaRPr lang="en-US"/>
           </a:p>
@@ -2191,7 +2191,7 @@
           <a:p>
             <a:fld id="{554E7DDD-058B-1841-B94D-DB98A383CD5A}" type="datetimeFigureOut">
               <a:rPr lang="en-US" smtClean="0"/>
-              <a:t>7/29/21</a:t>
+              <a:t>8/6/21</a:t>
             </a:fld>
             <a:endParaRPr lang="en-US"/>
           </a:p>
@@ -2286,7 +2286,7 @@
           <a:p>
             <a:fld id="{554E7DDD-058B-1841-B94D-DB98A383CD5A}" type="datetimeFigureOut">
               <a:rPr lang="en-US" smtClean="0"/>
-              <a:t>7/29/21</a:t>
+              <a:t>8/6/21</a:t>
             </a:fld>
             <a:endParaRPr lang="en-US"/>
           </a:p>
@@ -2563,7 +2563,7 @@
           <a:p>
             <a:fld id="{554E7DDD-058B-1841-B94D-DB98A383CD5A}" type="datetimeFigureOut">
               <a:rPr lang="en-US" smtClean="0"/>
-              <a:t>7/29/21</a:t>
+              <a:t>8/6/21</a:t>
             </a:fld>
             <a:endParaRPr lang="en-US"/>
           </a:p>
@@ -2820,7 +2820,7 @@
           <a:p>
             <a:fld id="{554E7DDD-058B-1841-B94D-DB98A383CD5A}" type="datetimeFigureOut">
               <a:rPr lang="en-US" smtClean="0"/>
-              <a:t>7/29/21</a:t>
+              <a:t>8/6/21</a:t>
             </a:fld>
             <a:endParaRPr lang="en-US"/>
           </a:p>
@@ -3033,7 +3033,7 @@
           <a:p>
             <a:fld id="{554E7DDD-058B-1841-B94D-DB98A383CD5A}" type="datetimeFigureOut">
               <a:rPr lang="en-US" smtClean="0"/>
-              <a:t>7/29/21</a:t>
+              <a:t>8/6/21</a:t>
             </a:fld>
             <a:endParaRPr lang="en-US"/>
           </a:p>
@@ -3440,6 +3440,44 @@
       </p:grpSpPr>
       <p:pic>
         <p:nvPicPr>
+          <p:cNvPr id="10" name="Picture 9" descr="Map&#10;&#10;Description automatically generated with low confidence">
+            <a:extLst>
+              <a:ext uri="{FF2B5EF4-FFF2-40B4-BE49-F238E27FC236}">
+                <a16:creationId xmlns:a16="http://schemas.microsoft.com/office/drawing/2014/main" id="{C0655305-34C5-5143-B4E8-1185A25636AE}"/>
+              </a:ext>
+            </a:extLst>
+          </p:cNvPr>
+          <p:cNvPicPr>
+            <a:picLocks noChangeAspect="1"/>
+          </p:cNvPicPr>
+          <p:nvPr/>
+        </p:nvPicPr>
+        <p:blipFill>
+          <a:blip r:embed="rId3"/>
+          <a:stretch>
+            <a:fillRect/>
+          </a:stretch>
+        </p:blipFill>
+        <p:spPr>
+          <a:xfrm>
+            <a:off x="405299" y="16309315"/>
+            <a:ext cx="12138557" cy="10924701"/>
+          </a:xfrm>
+          <a:prstGeom prst="rect">
+            <a:avLst/>
+          </a:prstGeom>
+          <a:ln>
+            <a:solidFill>
+              <a:schemeClr val="tx1">
+                <a:lumMod val="50000"/>
+                <a:lumOff val="50000"/>
+              </a:schemeClr>
+            </a:solidFill>
+          </a:ln>
+        </p:spPr>
+      </p:pic>
+      <p:pic>
+        <p:nvPicPr>
           <p:cNvPr id="6" name="Picture 5" descr="A picture containing map&#10;&#10;Description automatically generated">
             <a:extLst>
               <a:ext uri="{FF2B5EF4-FFF2-40B4-BE49-F238E27FC236}">
@@ -3453,7 +3491,7 @@
           <p:nvPr/>
         </p:nvPicPr>
         <p:blipFill>
-          <a:blip r:embed="rId3"/>
+          <a:blip r:embed="rId4"/>
           <a:stretch>
             <a:fillRect/>
           </a:stretch>
@@ -3491,7 +3529,7 @@
           <p:nvPr/>
         </p:nvPicPr>
         <p:blipFill>
-          <a:blip r:embed="rId4"/>
+          <a:blip r:embed="rId5"/>
           <a:stretch>
             <a:fillRect/>
           </a:stretch>
@@ -3689,44 +3727,6 @@
           </a:p>
         </p:txBody>
       </p:sp>
-      <p:pic>
-        <p:nvPicPr>
-          <p:cNvPr id="10" name="Picture 9" descr="Map&#10;&#10;Description automatically generated with low confidence">
-            <a:extLst>
-              <a:ext uri="{FF2B5EF4-FFF2-40B4-BE49-F238E27FC236}">
-                <a16:creationId xmlns:a16="http://schemas.microsoft.com/office/drawing/2014/main" id="{C0655305-34C5-5143-B4E8-1185A25636AE}"/>
-              </a:ext>
-            </a:extLst>
-          </p:cNvPr>
-          <p:cNvPicPr>
-            <a:picLocks noChangeAspect="1"/>
-          </p:cNvPicPr>
-          <p:nvPr/>
-        </p:nvPicPr>
-        <p:blipFill>
-          <a:blip r:embed="rId5"/>
-          <a:stretch>
-            <a:fillRect/>
-          </a:stretch>
-        </p:blipFill>
-        <p:spPr>
-          <a:xfrm>
-            <a:off x="405299" y="16309315"/>
-            <a:ext cx="12138557" cy="10924701"/>
-          </a:xfrm>
-          <a:prstGeom prst="rect">
-            <a:avLst/>
-          </a:prstGeom>
-          <a:ln>
-            <a:solidFill>
-              <a:schemeClr val="tx1">
-                <a:lumMod val="50000"/>
-                <a:lumOff val="50000"/>
-              </a:schemeClr>
-            </a:solidFill>
-          </a:ln>
-        </p:spPr>
-      </p:pic>
       <p:pic>
         <p:nvPicPr>
           <p:cNvPr id="14" name="Picture 13" descr="Map&#10;&#10;Description automatically generated">
@@ -3765,6 +3765,155 @@
           </a:ln>
         </p:spPr>
       </p:pic>
+      <p:sp>
+        <p:nvSpPr>
+          <p:cNvPr id="2" name="Oval 1">
+            <a:extLst>
+              <a:ext uri="{FF2B5EF4-FFF2-40B4-BE49-F238E27FC236}">
+                <a16:creationId xmlns:a16="http://schemas.microsoft.com/office/drawing/2014/main" id="{B2834CE2-937B-724B-8234-A6815D8012C4}"/>
+              </a:ext>
+            </a:extLst>
+          </p:cNvPr>
+          <p:cNvSpPr/>
+          <p:nvPr/>
+        </p:nvSpPr>
+        <p:spPr>
+          <a:xfrm>
+            <a:off x="2697734" y="20975974"/>
+            <a:ext cx="548640" cy="548640"/>
+          </a:xfrm>
+          <a:prstGeom prst="ellipse">
+            <a:avLst/>
+          </a:prstGeom>
+          <a:solidFill>
+            <a:schemeClr val="bg1">
+              <a:lumMod val="65000"/>
+            </a:schemeClr>
+          </a:solidFill>
+          <a:ln>
+            <a:solidFill>
+              <a:schemeClr val="tx1"/>
+            </a:solidFill>
+          </a:ln>
+        </p:spPr>
+        <p:style>
+          <a:lnRef idx="2">
+            <a:schemeClr val="accent1">
+              <a:shade val="50000"/>
+            </a:schemeClr>
+          </a:lnRef>
+          <a:fillRef idx="1">
+            <a:schemeClr val="accent1"/>
+          </a:fillRef>
+          <a:effectRef idx="0">
+            <a:schemeClr val="accent1"/>
+          </a:effectRef>
+          <a:fontRef idx="minor">
+            <a:schemeClr val="lt1"/>
+          </a:fontRef>
+        </p:style>
+        <p:txBody>
+          <a:bodyPr rtlCol="0" anchor="ctr"/>
+          <a:lstStyle/>
+          <a:p>
+            <a:pPr algn="ctr"/>
+            <a:endParaRPr lang="en-US"/>
+          </a:p>
+        </p:txBody>
+      </p:sp>
+      <p:sp>
+        <p:nvSpPr>
+          <p:cNvPr id="5" name="Arc 4">
+            <a:extLst>
+              <a:ext uri="{FF2B5EF4-FFF2-40B4-BE49-F238E27FC236}">
+                <a16:creationId xmlns:a16="http://schemas.microsoft.com/office/drawing/2014/main" id="{99C83EF3-40C9-F249-8E6C-827E0BD03200}"/>
+              </a:ext>
+            </a:extLst>
+          </p:cNvPr>
+          <p:cNvSpPr/>
+          <p:nvPr/>
+        </p:nvSpPr>
+        <p:spPr>
+          <a:xfrm rot="16422651">
+            <a:off x="4800657" y="21262537"/>
+            <a:ext cx="420887" cy="1310398"/>
+          </a:xfrm>
+          <a:prstGeom prst="arc">
+            <a:avLst>
+              <a:gd name="adj1" fmla="val 16200000"/>
+              <a:gd name="adj2" fmla="val 16129647"/>
+            </a:avLst>
+          </a:prstGeom>
+          <a:ln w="85725">
+            <a:solidFill>
+              <a:schemeClr val="accent1">
+                <a:alpha val="75000"/>
+              </a:schemeClr>
+            </a:solidFill>
+            <a:tailEnd type="stealth" w="med" len="med"/>
+          </a:ln>
+        </p:spPr>
+        <p:style>
+          <a:lnRef idx="1">
+            <a:schemeClr val="accent1"/>
+          </a:lnRef>
+          <a:fillRef idx="0">
+            <a:schemeClr val="accent1"/>
+          </a:fillRef>
+          <a:effectRef idx="0">
+            <a:schemeClr val="accent1"/>
+          </a:effectRef>
+          <a:fontRef idx="minor">
+            <a:schemeClr val="tx1"/>
+          </a:fontRef>
+        </p:style>
+        <p:txBody>
+          <a:bodyPr rtlCol="0" anchor="ctr"/>
+          <a:lstStyle/>
+          <a:p>
+            <a:pPr algn="ctr"/>
+            <a:endParaRPr lang="en-US"/>
+          </a:p>
+        </p:txBody>
+      </p:sp>
+      <p:sp>
+        <p:nvSpPr>
+          <p:cNvPr id="7" name="TextBox 6">
+            <a:extLst>
+              <a:ext uri="{FF2B5EF4-FFF2-40B4-BE49-F238E27FC236}">
+                <a16:creationId xmlns:a16="http://schemas.microsoft.com/office/drawing/2014/main" id="{9757BDD0-BFD0-B04D-B835-4BE097DAD3A0}"/>
+              </a:ext>
+            </a:extLst>
+          </p:cNvPr>
+          <p:cNvSpPr txBox="1"/>
+          <p:nvPr/>
+        </p:nvSpPr>
+        <p:spPr>
+          <a:xfrm>
+            <a:off x="5630551" y="21616146"/>
+            <a:ext cx="1264257" cy="553998"/>
+          </a:xfrm>
+          <a:prstGeom prst="rect">
+            <a:avLst/>
+          </a:prstGeom>
+          <a:noFill/>
+        </p:spPr>
+        <p:txBody>
+          <a:bodyPr wrap="square" rtlCol="0">
+            <a:spAutoFit/>
+          </a:bodyPr>
+          <a:lstStyle/>
+          <a:p>
+            <a:r>
+              <a:rPr lang="en-US" sz="3000" dirty="0">
+                <a:latin typeface="Arial" panose="020B0604020202020204" pitchFamily="34" charset="0"/>
+                <a:cs typeface="Arial" panose="020B0604020202020204" pitchFamily="34" charset="0"/>
+              </a:rPr>
+              <a:t>0.97</a:t>
+            </a:r>
+          </a:p>
+        </p:txBody>
+      </p:sp>
     </p:spTree>
     <p:extLst>
       <p:ext uri="{BB962C8B-B14F-4D97-AF65-F5344CB8AC3E}">
